--- a/Theory Class-Notes/Unit-2 Supervised Learning.pptx
+++ b/Theory Class-Notes/Unit-2 Supervised Learning.pptx
@@ -284,7 +284,7 @@
           <a:p>
             <a:fld id="{91881A6C-4E2A-4AAB-91B1-958BE8A270AF}" type="datetimeFigureOut">
               <a:rPr lang="en-IN" smtClean="0"/>
-              <a:t>15-06-2025</a:t>
+              <a:t>16-06-2025</a:t>
             </a:fld>
             <a:endParaRPr lang="en-IN"/>
           </a:p>
@@ -701,7 +701,7 @@
           <a:p>
             <a:fld id="{050FF069-687C-4110-9C8F-B52BF36C2535}" type="datetimeFigureOut">
               <a:rPr lang="en-IN" smtClean="0"/>
-              <a:t>15-06-2025</a:t>
+              <a:t>16-06-2025</a:t>
             </a:fld>
             <a:endParaRPr lang="en-IN"/>
           </a:p>
@@ -899,7 +899,7 @@
           <a:p>
             <a:fld id="{050FF069-687C-4110-9C8F-B52BF36C2535}" type="datetimeFigureOut">
               <a:rPr lang="en-IN" smtClean="0"/>
-              <a:t>15-06-2025</a:t>
+              <a:t>16-06-2025</a:t>
             </a:fld>
             <a:endParaRPr lang="en-IN"/>
           </a:p>
@@ -1107,7 +1107,7 @@
           <a:p>
             <a:fld id="{050FF069-687C-4110-9C8F-B52BF36C2535}" type="datetimeFigureOut">
               <a:rPr lang="en-IN" smtClean="0"/>
-              <a:t>15-06-2025</a:t>
+              <a:t>16-06-2025</a:t>
             </a:fld>
             <a:endParaRPr lang="en-IN"/>
           </a:p>
@@ -1305,7 +1305,7 @@
           <a:p>
             <a:fld id="{050FF069-687C-4110-9C8F-B52BF36C2535}" type="datetimeFigureOut">
               <a:rPr lang="en-IN" smtClean="0"/>
-              <a:t>15-06-2025</a:t>
+              <a:t>16-06-2025</a:t>
             </a:fld>
             <a:endParaRPr lang="en-IN"/>
           </a:p>
@@ -1581,7 +1581,7 @@
           <a:p>
             <a:fld id="{050FF069-687C-4110-9C8F-B52BF36C2535}" type="datetimeFigureOut">
               <a:rPr lang="en-IN" smtClean="0"/>
-              <a:t>15-06-2025</a:t>
+              <a:t>16-06-2025</a:t>
             </a:fld>
             <a:endParaRPr lang="en-IN"/>
           </a:p>
@@ -1848,7 +1848,7 @@
           <a:p>
             <a:fld id="{050FF069-687C-4110-9C8F-B52BF36C2535}" type="datetimeFigureOut">
               <a:rPr lang="en-IN" smtClean="0"/>
-              <a:t>15-06-2025</a:t>
+              <a:t>16-06-2025</a:t>
             </a:fld>
             <a:endParaRPr lang="en-IN"/>
           </a:p>
@@ -2262,7 +2262,7 @@
           <a:p>
             <a:fld id="{050FF069-687C-4110-9C8F-B52BF36C2535}" type="datetimeFigureOut">
               <a:rPr lang="en-IN" smtClean="0"/>
-              <a:t>15-06-2025</a:t>
+              <a:t>16-06-2025</a:t>
             </a:fld>
             <a:endParaRPr lang="en-IN"/>
           </a:p>
@@ -2409,7 +2409,7 @@
           <a:p>
             <a:fld id="{050FF069-687C-4110-9C8F-B52BF36C2535}" type="datetimeFigureOut">
               <a:rPr lang="en-IN" smtClean="0"/>
-              <a:t>15-06-2025</a:t>
+              <a:t>16-06-2025</a:t>
             </a:fld>
             <a:endParaRPr lang="en-IN"/>
           </a:p>
@@ -2522,7 +2522,7 @@
           <a:p>
             <a:fld id="{050FF069-687C-4110-9C8F-B52BF36C2535}" type="datetimeFigureOut">
               <a:rPr lang="en-IN" smtClean="0"/>
-              <a:t>15-06-2025</a:t>
+              <a:t>16-06-2025</a:t>
             </a:fld>
             <a:endParaRPr lang="en-IN"/>
           </a:p>
@@ -2841,7 +2841,7 @@
           <a:p>
             <a:fld id="{050FF069-687C-4110-9C8F-B52BF36C2535}" type="datetimeFigureOut">
               <a:rPr lang="en-IN" smtClean="0"/>
-              <a:t>15-06-2025</a:t>
+              <a:t>16-06-2025</a:t>
             </a:fld>
             <a:endParaRPr lang="en-IN"/>
           </a:p>
@@ -3136,7 +3136,7 @@
           <a:p>
             <a:fld id="{050FF069-687C-4110-9C8F-B52BF36C2535}" type="datetimeFigureOut">
               <a:rPr lang="en-IN" smtClean="0"/>
-              <a:t>15-06-2025</a:t>
+              <a:t>16-06-2025</a:t>
             </a:fld>
             <a:endParaRPr lang="en-IN"/>
           </a:p>
@@ -4521,7 +4521,7 @@
           <a:p>
             <a:fld id="{050FF069-687C-4110-9C8F-B52BF36C2535}" type="datetimeFigureOut">
               <a:rPr lang="en-IN" smtClean="0"/>
-              <a:t>15-06-2025</a:t>
+              <a:t>16-06-2025</a:t>
             </a:fld>
             <a:endParaRPr lang="en-IN"/>
           </a:p>
@@ -21794,9 +21794,6 @@
           </a:bodyPr>
           <a:lstStyle/>
           <a:p>
-            <a:pPr marL="342900" indent="-342900">
-              <a:buAutoNum type="arabicPeriod"/>
-            </a:pPr>
             <a:r>
               <a:rPr lang="en-US" sz="2800" b="1" i="0" dirty="0">
                 <a:solidFill>
@@ -21805,7 +21802,7 @@
                 <a:effectLst/>
                 <a:latin typeface="Söhne"/>
               </a:rPr>
-              <a:t>Classification:</a:t>
+              <a:t>2. Classification:</a:t>
             </a:r>
           </a:p>
           <a:p>
@@ -27737,7 +27734,15 @@
             </a:r>
             <a:r>
               <a:rPr lang="el-GR" sz="2800" b="1" dirty="0"/>
-              <a:t>=−6, </a:t>
+              <a:t>=−</a:t>
+            </a:r>
+            <a:r>
+              <a:rPr lang="en-US" sz="2800" b="1"/>
+              <a:t>5</a:t>
+            </a:r>
+            <a:r>
+              <a:rPr lang="el-GR" sz="2800" b="1"/>
+              <a:t>, </a:t>
             </a:r>
             <a:r>
               <a:rPr lang="el-GR" sz="2800" b="1" dirty="0">
